--- a/docs/spring-security-ppts.pptx
+++ b/docs/spring-security-ppts.pptx
@@ -104,6 +104,11 @@
       </a:defRPr>
     </a:lvl9pPr>
   </p:defaultTextStyle>
+  <p:extLst>
+    <p:ext uri="{EFAFB233-063F-42B5-8137-9DF3F51BA10A}">
+      <p15:sldGuideLst xmlns:p15="http://schemas.microsoft.com/office/powerpoint/2012/main"/>
+    </p:ext>
+  </p:extLst>
 </p:presentation>
 </file>
 
@@ -256,7 +261,7 @@
           <a:p>
             <a:fld id="{A32A121B-C09F-8D43-B21A-DF85CDCFCF97}" type="datetimeFigureOut">
               <a:rPr kumimoji="1" lang="ko-Kore-KR" altLang="en-US" smtClean="0"/>
-              <a:t>2022. 4. 25.</a:t>
+              <a:t>2022. 4. 27.</a:t>
             </a:fld>
             <a:endParaRPr kumimoji="1" lang="ko-Kore-KR" altLang="en-US"/>
           </a:p>
@@ -456,7 +461,7 @@
           <a:p>
             <a:fld id="{A32A121B-C09F-8D43-B21A-DF85CDCFCF97}" type="datetimeFigureOut">
               <a:rPr kumimoji="1" lang="ko-Kore-KR" altLang="en-US" smtClean="0"/>
-              <a:t>2022. 4. 25.</a:t>
+              <a:t>2022. 4. 27.</a:t>
             </a:fld>
             <a:endParaRPr kumimoji="1" lang="ko-Kore-KR" altLang="en-US"/>
           </a:p>
@@ -666,7 +671,7 @@
           <a:p>
             <a:fld id="{A32A121B-C09F-8D43-B21A-DF85CDCFCF97}" type="datetimeFigureOut">
               <a:rPr kumimoji="1" lang="ko-Kore-KR" altLang="en-US" smtClean="0"/>
-              <a:t>2022. 4. 25.</a:t>
+              <a:t>2022. 4. 27.</a:t>
             </a:fld>
             <a:endParaRPr kumimoji="1" lang="ko-Kore-KR" altLang="en-US"/>
           </a:p>
@@ -866,7 +871,7 @@
           <a:p>
             <a:fld id="{A32A121B-C09F-8D43-B21A-DF85CDCFCF97}" type="datetimeFigureOut">
               <a:rPr kumimoji="1" lang="ko-Kore-KR" altLang="en-US" smtClean="0"/>
-              <a:t>2022. 4. 25.</a:t>
+              <a:t>2022. 4. 27.</a:t>
             </a:fld>
             <a:endParaRPr kumimoji="1" lang="ko-Kore-KR" altLang="en-US"/>
           </a:p>
@@ -1142,7 +1147,7 @@
           <a:p>
             <a:fld id="{A32A121B-C09F-8D43-B21A-DF85CDCFCF97}" type="datetimeFigureOut">
               <a:rPr kumimoji="1" lang="ko-Kore-KR" altLang="en-US" smtClean="0"/>
-              <a:t>2022. 4. 25.</a:t>
+              <a:t>2022. 4. 27.</a:t>
             </a:fld>
             <a:endParaRPr kumimoji="1" lang="ko-Kore-KR" altLang="en-US"/>
           </a:p>
@@ -1410,7 +1415,7 @@
           <a:p>
             <a:fld id="{A32A121B-C09F-8D43-B21A-DF85CDCFCF97}" type="datetimeFigureOut">
               <a:rPr kumimoji="1" lang="ko-Kore-KR" altLang="en-US" smtClean="0"/>
-              <a:t>2022. 4. 25.</a:t>
+              <a:t>2022. 4. 27.</a:t>
             </a:fld>
             <a:endParaRPr kumimoji="1" lang="ko-Kore-KR" altLang="en-US"/>
           </a:p>
@@ -1825,7 +1830,7 @@
           <a:p>
             <a:fld id="{A32A121B-C09F-8D43-B21A-DF85CDCFCF97}" type="datetimeFigureOut">
               <a:rPr kumimoji="1" lang="ko-Kore-KR" altLang="en-US" smtClean="0"/>
-              <a:t>2022. 4. 25.</a:t>
+              <a:t>2022. 4. 27.</a:t>
             </a:fld>
             <a:endParaRPr kumimoji="1" lang="ko-Kore-KR" altLang="en-US"/>
           </a:p>
@@ -1967,7 +1972,7 @@
           <a:p>
             <a:fld id="{A32A121B-C09F-8D43-B21A-DF85CDCFCF97}" type="datetimeFigureOut">
               <a:rPr kumimoji="1" lang="ko-Kore-KR" altLang="en-US" smtClean="0"/>
-              <a:t>2022. 4. 25.</a:t>
+              <a:t>2022. 4. 27.</a:t>
             </a:fld>
             <a:endParaRPr kumimoji="1" lang="ko-Kore-KR" altLang="en-US"/>
           </a:p>
@@ -2080,7 +2085,7 @@
           <a:p>
             <a:fld id="{A32A121B-C09F-8D43-B21A-DF85CDCFCF97}" type="datetimeFigureOut">
               <a:rPr kumimoji="1" lang="ko-Kore-KR" altLang="en-US" smtClean="0"/>
-              <a:t>2022. 4. 25.</a:t>
+              <a:t>2022. 4. 27.</a:t>
             </a:fld>
             <a:endParaRPr kumimoji="1" lang="ko-Kore-KR" altLang="en-US"/>
           </a:p>
@@ -2393,7 +2398,7 @@
           <a:p>
             <a:fld id="{A32A121B-C09F-8D43-B21A-DF85CDCFCF97}" type="datetimeFigureOut">
               <a:rPr kumimoji="1" lang="ko-Kore-KR" altLang="en-US" smtClean="0"/>
-              <a:t>2022. 4. 25.</a:t>
+              <a:t>2022. 4. 27.</a:t>
             </a:fld>
             <a:endParaRPr kumimoji="1" lang="ko-Kore-KR" altLang="en-US"/>
           </a:p>
@@ -2682,7 +2687,7 @@
           <a:p>
             <a:fld id="{A32A121B-C09F-8D43-B21A-DF85CDCFCF97}" type="datetimeFigureOut">
               <a:rPr kumimoji="1" lang="ko-Kore-KR" altLang="en-US" smtClean="0"/>
-              <a:t>2022. 4. 25.</a:t>
+              <a:t>2022. 4. 27.</a:t>
             </a:fld>
             <a:endParaRPr kumimoji="1" lang="ko-Kore-KR" altLang="en-US"/>
           </a:p>
@@ -2925,7 +2930,7 @@
           <a:p>
             <a:fld id="{A32A121B-C09F-8D43-B21A-DF85CDCFCF97}" type="datetimeFigureOut">
               <a:rPr kumimoji="1" lang="ko-Kore-KR" altLang="en-US" smtClean="0"/>
-              <a:t>2022. 4. 25.</a:t>
+              <a:t>2022. 4. 27.</a:t>
             </a:fld>
             <a:endParaRPr kumimoji="1" lang="ko-Kore-KR" altLang="en-US"/>
           </a:p>
@@ -3342,6 +3347,102 @@
           <a:chExt cx="0" cy="0"/>
         </a:xfrm>
       </p:grpSpPr>
+      <p:pic>
+        <p:nvPicPr>
+          <p:cNvPr id="2" name="그림 1">
+            <a:extLst>
+              <a:ext uri="{FF2B5EF4-FFF2-40B4-BE49-F238E27FC236}">
+                <a16:creationId xmlns:a16="http://schemas.microsoft.com/office/drawing/2014/main" id="{E1391F8C-4A66-D6E3-3D9E-F2D8EA46A967}"/>
+              </a:ext>
+            </a:extLst>
+          </p:cNvPr>
+          <p:cNvPicPr>
+            <a:picLocks noChangeAspect="1"/>
+          </p:cNvPicPr>
+          <p:nvPr/>
+        </p:nvPicPr>
+        <p:blipFill>
+          <a:blip r:embed="rId2"/>
+          <a:stretch>
+            <a:fillRect/>
+          </a:stretch>
+        </p:blipFill>
+        <p:spPr>
+          <a:xfrm>
+            <a:off x="0" y="1172827"/>
+            <a:ext cx="12192000" cy="1072747"/>
+          </a:xfrm>
+          <a:prstGeom prst="rect">
+            <a:avLst/>
+          </a:prstGeom>
+        </p:spPr>
+      </p:pic>
+      <p:pic>
+        <p:nvPicPr>
+          <p:cNvPr id="3" name="그림 2">
+            <a:extLst>
+              <a:ext uri="{FF2B5EF4-FFF2-40B4-BE49-F238E27FC236}">
+                <a16:creationId xmlns:a16="http://schemas.microsoft.com/office/drawing/2014/main" id="{DBC24DAD-EB6B-CEFC-199E-68E059C90013}"/>
+              </a:ext>
+            </a:extLst>
+          </p:cNvPr>
+          <p:cNvPicPr>
+            <a:picLocks noChangeAspect="1"/>
+          </p:cNvPicPr>
+          <p:nvPr/>
+        </p:nvPicPr>
+        <p:blipFill>
+          <a:blip r:embed="rId3"/>
+          <a:stretch>
+            <a:fillRect/>
+          </a:stretch>
+        </p:blipFill>
+        <p:spPr>
+          <a:xfrm>
+            <a:off x="0" y="2750803"/>
+            <a:ext cx="12192000" cy="515564"/>
+          </a:xfrm>
+          <a:prstGeom prst="rect">
+            <a:avLst/>
+          </a:prstGeom>
+        </p:spPr>
+      </p:pic>
+      <p:sp>
+        <p:nvSpPr>
+          <p:cNvPr id="4" name="TextBox 3">
+            <a:extLst>
+              <a:ext uri="{FF2B5EF4-FFF2-40B4-BE49-F238E27FC236}">
+                <a16:creationId xmlns:a16="http://schemas.microsoft.com/office/drawing/2014/main" id="{DDD56963-973D-EB72-E1E3-8570E5E50583}"/>
+              </a:ext>
+            </a:extLst>
+          </p:cNvPr>
+          <p:cNvSpPr txBox="1"/>
+          <p:nvPr/>
+        </p:nvSpPr>
+        <p:spPr>
+          <a:xfrm>
+            <a:off x="2979370" y="296726"/>
+            <a:ext cx="1712841" cy="369332"/>
+          </a:xfrm>
+          <a:prstGeom prst="rect">
+            <a:avLst/>
+          </a:prstGeom>
+          <a:noFill/>
+        </p:spPr>
+        <p:txBody>
+          <a:bodyPr wrap="none" rtlCol="0">
+            <a:spAutoFit/>
+          </a:bodyPr>
+          <a:lstStyle/>
+          <a:p>
+            <a:r>
+              <a:rPr kumimoji="1" lang="en-US" altLang="ko-Kore-KR" dirty="0" err="1"/>
+              <a:t>FilterChainProxy</a:t>
+            </a:r>
+            <a:endParaRPr kumimoji="1" lang="ko-Kore-KR" altLang="en-US" dirty="0"/>
+          </a:p>
+        </p:txBody>
+      </p:sp>
     </p:spTree>
     <p:extLst>
       <p:ext uri="{BB962C8B-B14F-4D97-AF65-F5344CB8AC3E}">
